--- a/lecNote/10_1stProject/etc/1219_sample_v1.pptx
+++ b/lecNote/10_1stProject/etc/1219_sample_v1.pptx
@@ -5,10 +5,10 @@
     <p:sldMasterId id="2147483648" r:id="rId1"/>
   </p:sldMasterIdLst>
   <p:notesMasterIdLst>
-    <p:notesMasterId r:id="rId15"/>
+    <p:notesMasterId r:id="rId17"/>
   </p:notesMasterIdLst>
   <p:handoutMasterIdLst>
-    <p:handoutMasterId r:id="rId16"/>
+    <p:handoutMasterId r:id="rId18"/>
   </p:handoutMasterIdLst>
   <p:sldIdLst>
     <p:sldId id="256" r:id="rId2"/>
@@ -19,11 +19,13 @@
     <p:sldId id="352" r:id="rId7"/>
     <p:sldId id="319" r:id="rId8"/>
     <p:sldId id="347" r:id="rId9"/>
-    <p:sldId id="349" r:id="rId10"/>
-    <p:sldId id="317" r:id="rId11"/>
-    <p:sldId id="350" r:id="rId12"/>
-    <p:sldId id="344" r:id="rId13"/>
-    <p:sldId id="341" r:id="rId14"/>
+    <p:sldId id="353" r:id="rId10"/>
+    <p:sldId id="349" r:id="rId11"/>
+    <p:sldId id="317" r:id="rId12"/>
+    <p:sldId id="350" r:id="rId13"/>
+    <p:sldId id="344" r:id="rId14"/>
+    <p:sldId id="354" r:id="rId15"/>
+    <p:sldId id="341" r:id="rId16"/>
   </p:sldIdLst>
   <p:sldSz cx="9144000" cy="5143500" type="screen16x9"/>
   <p:notesSz cx="6858000" cy="9144000"/>
@@ -242,7 +244,7 @@
           <a:p>
             <a:fld id="{684ABEAC-FD1E-446D-854E-09142DFB339C}" type="datetimeFigureOut">
               <a:rPr lang="ko-KR" altLang="en-US" smtClean="0"/>
-              <a:t>2025-12-19</a:t>
+              <a:t>2026-01-05</a:t>
             </a:fld>
             <a:endParaRPr lang="ko-KR" altLang="en-US"/>
           </a:p>
@@ -407,7 +409,7 @@
           <a:p>
             <a:fld id="{E299D967-67B2-4132-B52D-A253871A1F24}" type="datetimeFigureOut">
               <a:rPr lang="ko-KR" altLang="en-US" smtClean="0"/>
-              <a:t>2025-12-19</a:t>
+              <a:t>2026-01-05</a:t>
             </a:fld>
             <a:endParaRPr lang="ko-KR" altLang="en-US"/>
           </a:p>
@@ -1249,7 +1251,7 @@
           <a:p>
             <a:fld id="{20303F18-CB98-4E85-A37B-EF5A4E6C8DE7}" type="datetime1">
               <a:rPr lang="ko-KR" altLang="en-US" smtClean="0"/>
-              <a:t>2025-12-19</a:t>
+              <a:t>2026-01-05</a:t>
             </a:fld>
             <a:endParaRPr lang="ko-KR" altLang="en-US"/>
           </a:p>
@@ -1422,7 +1424,7 @@
           <a:p>
             <a:fld id="{CCA16C65-58A5-46D5-A762-12670B92641B}" type="datetime1">
               <a:rPr lang="ko-KR" altLang="en-US" smtClean="0"/>
-              <a:t>2025-12-19</a:t>
+              <a:t>2026-01-05</a:t>
             </a:fld>
             <a:endParaRPr lang="ko-KR" altLang="en-US"/>
           </a:p>
@@ -1600,7 +1602,7 @@
           <a:p>
             <a:fld id="{2D09A68A-AC6E-41FE-B28C-2BB812CC2E01}" type="datetime1">
               <a:rPr lang="ko-KR" altLang="en-US" smtClean="0"/>
-              <a:t>2025-12-19</a:t>
+              <a:t>2026-01-05</a:t>
             </a:fld>
             <a:endParaRPr lang="ko-KR" altLang="en-US"/>
           </a:p>
@@ -1768,7 +1770,7 @@
           <a:p>
             <a:fld id="{690B8B09-A0F3-4880-B090-7FDDEE5B5065}" type="datetime1">
               <a:rPr lang="ko-KR" altLang="en-US" smtClean="0"/>
-              <a:t>2025-12-19</a:t>
+              <a:t>2026-01-05</a:t>
             </a:fld>
             <a:endParaRPr lang="ko-KR" altLang="en-US"/>
           </a:p>
@@ -2013,7 +2015,7 @@
           <a:p>
             <a:fld id="{82F7D3F4-816B-4FA6-91FC-91836ECD0E53}" type="datetime1">
               <a:rPr lang="ko-KR" altLang="en-US" smtClean="0"/>
-              <a:t>2025-12-19</a:t>
+              <a:t>2026-01-05</a:t>
             </a:fld>
             <a:endParaRPr lang="ko-KR" altLang="en-US"/>
           </a:p>
@@ -2298,7 +2300,7 @@
           <a:p>
             <a:fld id="{2FB9FCFF-984A-4549-AB53-391F9EC1244A}" type="datetime1">
               <a:rPr lang="ko-KR" altLang="en-US" smtClean="0"/>
-              <a:t>2025-12-19</a:t>
+              <a:t>2026-01-05</a:t>
             </a:fld>
             <a:endParaRPr lang="ko-KR" altLang="en-US"/>
           </a:p>
@@ -2717,7 +2719,7 @@
           <a:p>
             <a:fld id="{94618DE4-C4FE-4171-90C7-38CF01638033}" type="datetime1">
               <a:rPr lang="ko-KR" altLang="en-US" smtClean="0"/>
-              <a:t>2025-12-19</a:t>
+              <a:t>2026-01-05</a:t>
             </a:fld>
             <a:endParaRPr lang="ko-KR" altLang="en-US"/>
           </a:p>
@@ -2834,7 +2836,7 @@
           <a:p>
             <a:fld id="{33587621-9D18-4C20-9B84-3E938621A025}" type="datetime1">
               <a:rPr lang="ko-KR" altLang="en-US" smtClean="0"/>
-              <a:t>2025-12-19</a:t>
+              <a:t>2026-01-05</a:t>
             </a:fld>
             <a:endParaRPr lang="ko-KR" altLang="en-US"/>
           </a:p>
@@ -3279,7 +3281,7 @@
           <a:p>
             <a:fld id="{B517649B-2577-404C-858E-51E9DEBB2548}" type="datetime1">
               <a:rPr lang="ko-KR" altLang="en-US" smtClean="0"/>
-              <a:t>2025-12-19</a:t>
+              <a:t>2026-01-05</a:t>
             </a:fld>
             <a:endParaRPr lang="ko-KR" altLang="en-US"/>
           </a:p>
@@ -3531,7 +3533,7 @@
           <a:p>
             <a:fld id="{8D84C674-EF46-4F27-9E3E-4F6A170B0DC6}" type="datetime1">
               <a:rPr lang="ko-KR" altLang="en-US" smtClean="0"/>
-              <a:t>2025-12-19</a:t>
+              <a:t>2026-01-05</a:t>
             </a:fld>
             <a:endParaRPr lang="ko-KR" altLang="en-US"/>
           </a:p>
@@ -3742,7 +3744,7 @@
           <a:p>
             <a:fld id="{B40F11ED-9D7B-4CCE-A57D-CC1D7760FB25}" type="datetime1">
               <a:rPr lang="ko-KR" altLang="en-US" smtClean="0"/>
-              <a:t>2025-12-19</a:t>
+              <a:t>2026-01-05</a:t>
             </a:fld>
             <a:endParaRPr lang="ko-KR" altLang="en-US"/>
           </a:p>
@@ -4344,7 +4346,7 @@
                 <a:latin typeface="가는안상수체" pitchFamily="2" charset="-127"/>
                 <a:ea typeface="가는안상수체" pitchFamily="2" charset="-127"/>
               </a:rPr>
-              <a:t> 06</a:t>
+              <a:t> 05</a:t>
             </a:r>
             <a:r>
               <a:rPr lang="ko-KR" altLang="en-US" sz="1200" spc="-150">
@@ -4366,7 +4368,7 @@
                 <a:latin typeface="가는안상수체" pitchFamily="2" charset="-127"/>
                 <a:ea typeface="가는안상수체" pitchFamily="2" charset="-127"/>
               </a:rPr>
-              <a:t>화</a:t>
+              <a:t>월</a:t>
             </a:r>
             <a:r>
               <a:rPr lang="ko-KR" altLang="en-US" sz="1200" spc="-150">
@@ -4388,7 +4390,7 @@
                 <a:latin typeface="가는안상수체" pitchFamily="2" charset="-127"/>
                 <a:ea typeface="가는안상수체" pitchFamily="2" charset="-127"/>
               </a:rPr>
-              <a:t> 09</a:t>
+              <a:t> 15</a:t>
             </a:r>
             <a:r>
               <a:rPr lang="ko-KR" altLang="en-US" sz="1200" spc="-150">
@@ -4410,7 +4412,7 @@
                 <a:latin typeface="가는안상수체" pitchFamily="2" charset="-127"/>
                 <a:ea typeface="가는안상수체" pitchFamily="2" charset="-127"/>
               </a:rPr>
-              <a:t>40</a:t>
+              <a:t>10</a:t>
             </a:r>
             <a:r>
               <a:rPr lang="ko-KR" altLang="en-US" sz="1200" spc="-150" dirty="0">
@@ -4567,6 +4569,195 @@
       </p:grpSpPr>
       <p:sp>
         <p:nvSpPr>
+          <p:cNvPr id="2" name="슬라이드 번호 개체 틀 1">
+            <a:extLst>
+              <a:ext uri="{FF2B5EF4-FFF2-40B4-BE49-F238E27FC236}">
+                <a16:creationId xmlns:a16="http://schemas.microsoft.com/office/drawing/2014/main" id="{9FCEE3D2-8D7C-4399-9124-487ADAD09EAF}"/>
+              </a:ext>
+            </a:extLst>
+          </p:cNvPr>
+          <p:cNvSpPr>
+            <a:spLocks noGrp="1"/>
+          </p:cNvSpPr>
+          <p:nvPr>
+            <p:ph type="sldNum" sz="quarter" idx="12"/>
+          </p:nvPr>
+        </p:nvSpPr>
+        <p:spPr/>
+        <p:txBody>
+          <a:bodyPr/>
+          <a:lstStyle/>
+          <a:p>
+            <a:fld id="{8E974B11-60DB-405B-8211-256C6E064270}" type="slidenum">
+              <a:rPr lang="ko-KR" altLang="en-US" smtClean="0"/>
+              <a:pPr/>
+              <a:t>10</a:t>
+            </a:fld>
+            <a:endParaRPr lang="ko-KR" altLang="en-US" dirty="0"/>
+          </a:p>
+        </p:txBody>
+      </p:sp>
+      <p:sp>
+        <p:nvSpPr>
+          <p:cNvPr id="4" name="TextBox 3">
+            <a:extLst>
+              <a:ext uri="{FF2B5EF4-FFF2-40B4-BE49-F238E27FC236}">
+                <a16:creationId xmlns:a16="http://schemas.microsoft.com/office/drawing/2014/main" id="{0A36D7D7-F8DE-0546-970A-3DF7C1D671BE}"/>
+              </a:ext>
+            </a:extLst>
+          </p:cNvPr>
+          <p:cNvSpPr txBox="1"/>
+          <p:nvPr/>
+        </p:nvSpPr>
+        <p:spPr>
+          <a:xfrm>
+            <a:off x="2290763" y="2241446"/>
+            <a:ext cx="4581524" cy="724109"/>
+          </a:xfrm>
+          <a:prstGeom prst="rect">
+            <a:avLst/>
+          </a:prstGeom>
+          <a:noFill/>
+        </p:spPr>
+        <p:txBody>
+          <a:bodyPr wrap="square">
+            <a:spAutoFit/>
+          </a:bodyPr>
+          <a:lstStyle/>
+          <a:p>
+            <a:pPr marL="685800" lvl="1" indent="-228600">
+              <a:lnSpc>
+                <a:spcPct val="180000"/>
+              </a:lnSpc>
+              <a:buFont typeface="+mj-lt"/>
+              <a:buAutoNum type="arabicPeriod"/>
+              <a:defRPr/>
+            </a:pPr>
+            <a:r>
+              <a:rPr lang="en-US" altLang="ko-KR" sz="800" b="1">
+                <a:latin typeface="+mn-ea"/>
+              </a:rPr>
+              <a:t>K-means</a:t>
+            </a:r>
+          </a:p>
+          <a:p>
+            <a:pPr marL="685800" lvl="1" indent="-228600">
+              <a:lnSpc>
+                <a:spcPct val="180000"/>
+              </a:lnSpc>
+              <a:buFont typeface="+mj-lt"/>
+              <a:buAutoNum type="arabicPeriod"/>
+              <a:defRPr/>
+            </a:pPr>
+            <a:r>
+              <a:rPr lang="en-US" altLang="ko-KR" sz="800" b="1">
+                <a:latin typeface="+mn-ea"/>
+              </a:rPr>
+              <a:t>Xxx</a:t>
+            </a:r>
+          </a:p>
+          <a:p>
+            <a:pPr marL="685800" lvl="1" indent="-228600">
+              <a:lnSpc>
+                <a:spcPct val="180000"/>
+              </a:lnSpc>
+              <a:buFont typeface="+mj-lt"/>
+              <a:buAutoNum type="arabicPeriod"/>
+              <a:defRPr/>
+            </a:pPr>
+            <a:r>
+              <a:rPr lang="en-US" altLang="ko-KR" sz="800" b="1">
+                <a:latin typeface="+mn-ea"/>
+              </a:rPr>
+              <a:t>Xxx</a:t>
+            </a:r>
+          </a:p>
+        </p:txBody>
+      </p:sp>
+      <p:sp>
+        <p:nvSpPr>
+          <p:cNvPr id="5" name="TextBox 4">
+            <a:extLst>
+              <a:ext uri="{FF2B5EF4-FFF2-40B4-BE49-F238E27FC236}">
+                <a16:creationId xmlns:a16="http://schemas.microsoft.com/office/drawing/2014/main" id="{74E271BB-EED5-E1BE-2779-2EFBA40B8D49}"/>
+              </a:ext>
+            </a:extLst>
+          </p:cNvPr>
+          <p:cNvSpPr txBox="1"/>
+          <p:nvPr/>
+        </p:nvSpPr>
+        <p:spPr>
+          <a:xfrm>
+            <a:off x="179512" y="52597"/>
+            <a:ext cx="2592288" cy="369332"/>
+          </a:xfrm>
+          <a:prstGeom prst="rect">
+            <a:avLst/>
+          </a:prstGeom>
+          <a:noFill/>
+        </p:spPr>
+        <p:txBody>
+          <a:bodyPr wrap="square" rtlCol="0">
+            <a:spAutoFit/>
+          </a:bodyPr>
+          <a:lstStyle/>
+          <a:p>
+            <a:r>
+              <a:rPr lang="en-US" altLang="ko-KR" b="1">
+                <a:solidFill>
+                  <a:srgbClr val="756B5F"/>
+                </a:solidFill>
+              </a:rPr>
+              <a:t>3. </a:t>
+            </a:r>
+            <a:r>
+              <a:rPr lang="ko-KR" altLang="en-US" b="1">
+                <a:solidFill>
+                  <a:srgbClr val="756B5F"/>
+                </a:solidFill>
+              </a:rPr>
+              <a:t>모델 구현</a:t>
+            </a:r>
+            <a:endParaRPr lang="ko-KR" altLang="en-US" b="1" dirty="0">
+              <a:solidFill>
+                <a:srgbClr val="756B5F"/>
+              </a:solidFill>
+            </a:endParaRPr>
+          </a:p>
+        </p:txBody>
+      </p:sp>
+    </p:spTree>
+    <p:extLst>
+      <p:ext uri="{BB962C8B-B14F-4D97-AF65-F5344CB8AC3E}">
+        <p14:creationId xmlns:p14="http://schemas.microsoft.com/office/powerpoint/2010/main" val="1068778681"/>
+      </p:ext>
+    </p:extLst>
+  </p:cSld>
+  <p:clrMapOvr>
+    <a:masterClrMapping/>
+  </p:clrMapOvr>
+</p:sld>
+</file>
+
+<file path=ppt/slides/slide11.xml><?xml version="1.0" encoding="utf-8"?>
+<p:sld xmlns:a="http://schemas.openxmlformats.org/drawingml/2006/main" xmlns:r="http://schemas.openxmlformats.org/officeDocument/2006/relationships" xmlns:p="http://schemas.openxmlformats.org/presentationml/2006/main">
+  <p:cSld>
+    <p:spTree>
+      <p:nvGrpSpPr>
+        <p:cNvPr id="1" name=""/>
+        <p:cNvGrpSpPr/>
+        <p:nvPr/>
+      </p:nvGrpSpPr>
+      <p:grpSpPr>
+        <a:xfrm>
+          <a:off x="0" y="0"/>
+          <a:ext cx="0" cy="0"/>
+          <a:chOff x="0" y="0"/>
+          <a:chExt cx="0" cy="0"/>
+        </a:xfrm>
+      </p:grpSpPr>
+      <p:sp>
+        <p:nvSpPr>
           <p:cNvPr id="2" name="슬라이드 번호 개체 틀 1"/>
           <p:cNvSpPr>
             <a:spLocks noGrp="1"/>
@@ -4583,47 +4774,9 @@
             <a:fld id="{8E974B11-60DB-405B-8211-256C6E064270}" type="slidenum">
               <a:rPr lang="ko-KR" altLang="en-US" smtClean="0"/>
               <a:pPr/>
-              <a:t>10</a:t>
+              <a:t>11</a:t>
             </a:fld>
             <a:endParaRPr lang="ko-KR" altLang="en-US" dirty="0"/>
-          </a:p>
-        </p:txBody>
-      </p:sp>
-      <p:sp>
-        <p:nvSpPr>
-          <p:cNvPr id="3" name="TextBox 2"/>
-          <p:cNvSpPr txBox="1"/>
-          <p:nvPr/>
-        </p:nvSpPr>
-        <p:spPr>
-          <a:xfrm>
-            <a:off x="285792" y="86430"/>
-            <a:ext cx="4286208" cy="300082"/>
-          </a:xfrm>
-          <a:prstGeom prst="rect">
-            <a:avLst/>
-          </a:prstGeom>
-          <a:noFill/>
-        </p:spPr>
-        <p:txBody>
-          <a:bodyPr wrap="square" rtlCol="0">
-            <a:spAutoFit/>
-          </a:bodyPr>
-          <a:lstStyle/>
-          <a:p>
-            <a:r>
-              <a:rPr lang="ko-KR" altLang="en-US" sz="1350" b="1">
-                <a:solidFill>
-                  <a:srgbClr val="756B5F"/>
-                </a:solidFill>
-              </a:rPr>
-              <a:t>웹서비스의 작업분할구조도 및 순차다이어그램</a:t>
-            </a:r>
-            <a:endParaRPr lang="ko-KR" altLang="en-US" sz="1350" b="1" dirty="0">
-              <a:solidFill>
-                <a:srgbClr val="756B5F"/>
-              </a:solidFill>
-            </a:endParaRPr>
           </a:p>
         </p:txBody>
       </p:sp>
@@ -7574,6 +7727,58 @@
           </a:p>
         </p:txBody>
       </p:sp>
+      <p:sp>
+        <p:nvSpPr>
+          <p:cNvPr id="4" name="TextBox 3">
+            <a:extLst>
+              <a:ext uri="{FF2B5EF4-FFF2-40B4-BE49-F238E27FC236}">
+                <a16:creationId xmlns:a16="http://schemas.microsoft.com/office/drawing/2014/main" id="{9195788F-0021-18EE-5A44-1774CED8433A}"/>
+              </a:ext>
+            </a:extLst>
+          </p:cNvPr>
+          <p:cNvSpPr txBox="1"/>
+          <p:nvPr/>
+        </p:nvSpPr>
+        <p:spPr>
+          <a:xfrm>
+            <a:off x="179512" y="52597"/>
+            <a:ext cx="2592288" cy="369332"/>
+          </a:xfrm>
+          <a:prstGeom prst="rect">
+            <a:avLst/>
+          </a:prstGeom>
+          <a:noFill/>
+        </p:spPr>
+        <p:txBody>
+          <a:bodyPr wrap="square" rtlCol="0">
+            <a:spAutoFit/>
+          </a:bodyPr>
+          <a:lstStyle/>
+          <a:p>
+            <a:r>
+              <a:rPr lang="en-US" altLang="ko-KR" b="1">
+                <a:solidFill>
+                  <a:srgbClr val="756B5F"/>
+                </a:solidFill>
+              </a:rPr>
+              <a:t>4. </a:t>
+            </a:r>
+            <a:r>
+              <a:rPr lang="ko-KR" altLang="en-US" b="1">
+                <a:solidFill>
+                  <a:srgbClr val="756B5F"/>
+                </a:solidFill>
+              </a:rPr>
+              <a:t>웹 서비스 구현</a:t>
+            </a:r>
+            <a:endParaRPr lang="ko-KR" altLang="en-US" b="1" dirty="0">
+              <a:solidFill>
+                <a:srgbClr val="756B5F"/>
+              </a:solidFill>
+            </a:endParaRPr>
+          </a:p>
+        </p:txBody>
+      </p:sp>
     </p:spTree>
     <p:extLst>
       <p:ext uri="{BB962C8B-B14F-4D97-AF65-F5344CB8AC3E}">
@@ -7587,7 +7792,7 @@
 </p:sld>
 </file>
 
-<file path=ppt/slides/slide11.xml><?xml version="1.0" encoding="utf-8"?>
+<file path=ppt/slides/slide12.xml><?xml version="1.0" encoding="utf-8"?>
 <p:sld xmlns:a="http://schemas.openxmlformats.org/drawingml/2006/main" xmlns:r="http://schemas.openxmlformats.org/officeDocument/2006/relationships" xmlns:p="http://schemas.openxmlformats.org/presentationml/2006/main">
   <p:cSld>
     <p:spTree>
@@ -7622,71 +7827,9 @@
             <a:fld id="{8E974B11-60DB-405B-8211-256C6E064270}" type="slidenum">
               <a:rPr lang="ko-KR" altLang="en-US" smtClean="0"/>
               <a:pPr/>
-              <a:t>11</a:t>
+              <a:t>12</a:t>
             </a:fld>
             <a:endParaRPr lang="ko-KR" altLang="en-US" dirty="0"/>
-          </a:p>
-        </p:txBody>
-      </p:sp>
-      <p:sp>
-        <p:nvSpPr>
-          <p:cNvPr id="45" name="TextBox 44"/>
-          <p:cNvSpPr txBox="1"/>
-          <p:nvPr/>
-        </p:nvSpPr>
-        <p:spPr>
-          <a:xfrm>
-            <a:off x="323528" y="80505"/>
-            <a:ext cx="4464497" cy="369332"/>
-          </a:xfrm>
-          <a:prstGeom prst="rect">
-            <a:avLst/>
-          </a:prstGeom>
-          <a:noFill/>
-        </p:spPr>
-        <p:txBody>
-          <a:bodyPr wrap="square" rtlCol="0">
-            <a:spAutoFit/>
-          </a:bodyPr>
-          <a:lstStyle/>
-          <a:p>
-            <a:r>
-              <a:rPr lang="en-US" altLang="ko-KR" b="1">
-                <a:solidFill>
-                  <a:srgbClr val="756B5F"/>
-                </a:solidFill>
-              </a:rPr>
-              <a:t>UI </a:t>
-            </a:r>
-            <a:r>
-              <a:rPr lang="ko-KR" altLang="en-US" b="1" dirty="0">
-                <a:solidFill>
-                  <a:srgbClr val="756B5F"/>
-                </a:solidFill>
-              </a:rPr>
-              <a:t>시연 및 핵심기능 </a:t>
-            </a:r>
-            <a:r>
-              <a:rPr lang="en-US" altLang="ko-KR" b="1" dirty="0">
-                <a:solidFill>
-                  <a:srgbClr val="756B5F"/>
-                </a:solidFill>
-              </a:rPr>
-              <a:t>– </a:t>
-            </a:r>
-            <a:r>
-              <a:rPr lang="ko-KR" altLang="en-US" b="1" dirty="0" err="1">
-                <a:solidFill>
-                  <a:srgbClr val="756B5F"/>
-                </a:solidFill>
-              </a:rPr>
-              <a:t>메인페이지</a:t>
-            </a:r>
-            <a:endParaRPr lang="ko-KR" altLang="en-US" b="1" dirty="0">
-              <a:solidFill>
-                <a:srgbClr val="756B5F"/>
-              </a:solidFill>
-            </a:endParaRPr>
           </a:p>
         </p:txBody>
       </p:sp>
@@ -8936,6 +9079,74 @@
           </a:p>
         </p:txBody>
       </p:sp>
+      <p:sp>
+        <p:nvSpPr>
+          <p:cNvPr id="3" name="TextBox 2">
+            <a:extLst>
+              <a:ext uri="{FF2B5EF4-FFF2-40B4-BE49-F238E27FC236}">
+                <a16:creationId xmlns:a16="http://schemas.microsoft.com/office/drawing/2014/main" id="{9D3DF592-A0FD-2ECA-F676-C89558469901}"/>
+              </a:ext>
+            </a:extLst>
+          </p:cNvPr>
+          <p:cNvSpPr txBox="1"/>
+          <p:nvPr/>
+        </p:nvSpPr>
+        <p:spPr>
+          <a:xfrm>
+            <a:off x="179512" y="52597"/>
+            <a:ext cx="4752528" cy="369332"/>
+          </a:xfrm>
+          <a:prstGeom prst="rect">
+            <a:avLst/>
+          </a:prstGeom>
+          <a:noFill/>
+        </p:spPr>
+        <p:txBody>
+          <a:bodyPr wrap="square" rtlCol="0">
+            <a:spAutoFit/>
+          </a:bodyPr>
+          <a:lstStyle/>
+          <a:p>
+            <a:r>
+              <a:rPr lang="en-US" altLang="ko-KR" b="1">
+                <a:solidFill>
+                  <a:srgbClr val="756B5F"/>
+                </a:solidFill>
+              </a:rPr>
+              <a:t>4. </a:t>
+            </a:r>
+            <a:r>
+              <a:rPr lang="ko-KR" altLang="en-US" b="1">
+                <a:solidFill>
+                  <a:srgbClr val="756B5F"/>
+                </a:solidFill>
+              </a:rPr>
+              <a:t>웹 서비스 구현 핵심 기능 </a:t>
+            </a:r>
+            <a:r>
+              <a:rPr lang="en-US" altLang="ko-KR" b="1">
+                <a:solidFill>
+                  <a:srgbClr val="756B5F"/>
+                </a:solidFill>
+              </a:rPr>
+              <a:t>– </a:t>
+            </a:r>
+            <a:r>
+              <a:rPr lang="ko-KR" altLang="en-US" b="1">
+                <a:solidFill>
+                  <a:srgbClr val="756B5F"/>
+                </a:solidFill>
+              </a:rPr>
+              <a:t>메인 페이지</a:t>
+            </a:r>
+            <a:endParaRPr lang="ko-KR" altLang="en-US" b="1" dirty="0">
+              <a:solidFill>
+                <a:srgbClr val="756B5F"/>
+              </a:solidFill>
+            </a:endParaRPr>
+          </a:p>
+        </p:txBody>
+      </p:sp>
     </p:spTree>
     <p:extLst>
       <p:ext uri="{BB962C8B-B14F-4D97-AF65-F5344CB8AC3E}">
@@ -8949,7 +9160,7 @@
 </p:sld>
 </file>
 
-<file path=ppt/slides/slide12.xml><?xml version="1.0" encoding="utf-8"?>
+<file path=ppt/slides/slide13.xml><?xml version="1.0" encoding="utf-8"?>
 <p:sld xmlns:a="http://schemas.openxmlformats.org/drawingml/2006/main" xmlns:r="http://schemas.openxmlformats.org/officeDocument/2006/relationships" xmlns:p="http://schemas.openxmlformats.org/presentationml/2006/main">
   <p:cSld>
     <p:spTree>
@@ -8984,98 +9195,9 @@
             <a:fld id="{8E974B11-60DB-405B-8211-256C6E064270}" type="slidenum">
               <a:rPr lang="ko-KR" altLang="en-US" smtClean="0"/>
               <a:pPr/>
-              <a:t>12</a:t>
+              <a:t>13</a:t>
             </a:fld>
             <a:endParaRPr lang="ko-KR" altLang="en-US" dirty="0"/>
-          </a:p>
-        </p:txBody>
-      </p:sp>
-      <p:sp>
-        <p:nvSpPr>
-          <p:cNvPr id="45" name="TextBox 44"/>
-          <p:cNvSpPr txBox="1"/>
-          <p:nvPr/>
-        </p:nvSpPr>
-        <p:spPr>
-          <a:xfrm>
-            <a:off x="323528" y="80505"/>
-            <a:ext cx="5760641" cy="369332"/>
-          </a:xfrm>
-          <a:prstGeom prst="rect">
-            <a:avLst/>
-          </a:prstGeom>
-          <a:noFill/>
-        </p:spPr>
-        <p:txBody>
-          <a:bodyPr wrap="square" rtlCol="0">
-            <a:spAutoFit/>
-          </a:bodyPr>
-          <a:lstStyle/>
-          <a:p>
-            <a:r>
-              <a:rPr lang="en-US" altLang="ko-KR" b="1" dirty="0">
-                <a:solidFill>
-                  <a:srgbClr val="756B5F"/>
-                </a:solidFill>
-              </a:rPr>
-              <a:t>11. UI </a:t>
-            </a:r>
-            <a:r>
-              <a:rPr lang="ko-KR" altLang="en-US" b="1" dirty="0">
-                <a:solidFill>
-                  <a:srgbClr val="756B5F"/>
-                </a:solidFill>
-              </a:rPr>
-              <a:t>시연 및 핵심기능 </a:t>
-            </a:r>
-            <a:r>
-              <a:rPr lang="en-US" altLang="ko-KR" b="1" dirty="0">
-                <a:solidFill>
-                  <a:srgbClr val="756B5F"/>
-                </a:solidFill>
-              </a:rPr>
-              <a:t>– </a:t>
-            </a:r>
-            <a:r>
-              <a:rPr lang="ko-KR" altLang="en-US" b="1" dirty="0">
-                <a:solidFill>
-                  <a:srgbClr val="756B5F"/>
-                </a:solidFill>
-              </a:rPr>
-              <a:t>관리자</a:t>
-            </a:r>
-            <a:r>
-              <a:rPr lang="en-US" altLang="ko-KR" b="1" dirty="0">
-                <a:solidFill>
-                  <a:srgbClr val="756B5F"/>
-                </a:solidFill>
-              </a:rPr>
-              <a:t>(</a:t>
-            </a:r>
-            <a:r>
-              <a:rPr lang="ko-KR" altLang="en-US" b="1" dirty="0">
-                <a:solidFill>
-                  <a:srgbClr val="756B5F"/>
-                </a:solidFill>
-              </a:rPr>
-              <a:t>사서</a:t>
-            </a:r>
-            <a:r>
-              <a:rPr lang="en-US" altLang="ko-KR" b="1" dirty="0">
-                <a:solidFill>
-                  <a:srgbClr val="756B5F"/>
-                </a:solidFill>
-              </a:rPr>
-              <a:t>) </a:t>
-            </a:r>
-            <a:r>
-              <a:rPr lang="ko-KR" altLang="en-US" b="1" dirty="0">
-                <a:solidFill>
-                  <a:srgbClr val="756B5F"/>
-                </a:solidFill>
-              </a:rPr>
-              <a:t>등록 및 삭제</a:t>
-            </a:r>
           </a:p>
         </p:txBody>
       </p:sp>
@@ -10155,6 +10277,106 @@
           </a:p>
         </p:txBody>
       </p:sp>
+      <p:sp>
+        <p:nvSpPr>
+          <p:cNvPr id="4" name="TextBox 3">
+            <a:extLst>
+              <a:ext uri="{FF2B5EF4-FFF2-40B4-BE49-F238E27FC236}">
+                <a16:creationId xmlns:a16="http://schemas.microsoft.com/office/drawing/2014/main" id="{7F534D80-8502-5D6A-21C1-9198EA7A1E88}"/>
+              </a:ext>
+            </a:extLst>
+          </p:cNvPr>
+          <p:cNvSpPr txBox="1"/>
+          <p:nvPr/>
+        </p:nvSpPr>
+        <p:spPr>
+          <a:xfrm>
+            <a:off x="179512" y="52597"/>
+            <a:ext cx="6048672" cy="369332"/>
+          </a:xfrm>
+          <a:prstGeom prst="rect">
+            <a:avLst/>
+          </a:prstGeom>
+          <a:noFill/>
+        </p:spPr>
+        <p:txBody>
+          <a:bodyPr wrap="square" rtlCol="0">
+            <a:spAutoFit/>
+          </a:bodyPr>
+          <a:lstStyle/>
+          <a:p>
+            <a:r>
+              <a:rPr lang="en-US" altLang="ko-KR" b="1">
+                <a:solidFill>
+                  <a:srgbClr val="756B5F"/>
+                </a:solidFill>
+              </a:rPr>
+              <a:t>4. </a:t>
+            </a:r>
+            <a:r>
+              <a:rPr lang="ko-KR" altLang="en-US" b="1">
+                <a:solidFill>
+                  <a:srgbClr val="756B5F"/>
+                </a:solidFill>
+              </a:rPr>
+              <a:t>웹 서비스 구현 핵심 기능 </a:t>
+            </a:r>
+            <a:r>
+              <a:rPr lang="en-US" altLang="ko-KR" b="1">
+                <a:solidFill>
+                  <a:srgbClr val="756B5F"/>
+                </a:solidFill>
+              </a:rPr>
+              <a:t>– </a:t>
+            </a:r>
+            <a:r>
+              <a:rPr lang="ko-KR" altLang="en-US" b="1">
+                <a:solidFill>
+                  <a:srgbClr val="756B5F"/>
+                </a:solidFill>
+              </a:rPr>
+              <a:t>관리자</a:t>
+            </a:r>
+            <a:r>
+              <a:rPr lang="en-US" altLang="ko-KR" b="1">
+                <a:solidFill>
+                  <a:srgbClr val="756B5F"/>
+                </a:solidFill>
+              </a:rPr>
+              <a:t>(</a:t>
+            </a:r>
+            <a:r>
+              <a:rPr lang="ko-KR" altLang="en-US" b="1">
+                <a:solidFill>
+                  <a:srgbClr val="756B5F"/>
+                </a:solidFill>
+              </a:rPr>
+              <a:t>사서</a:t>
+            </a:r>
+            <a:r>
+              <a:rPr lang="en-US" altLang="ko-KR" b="1">
+                <a:solidFill>
+                  <a:srgbClr val="756B5F"/>
+                </a:solidFill>
+              </a:rPr>
+              <a:t>)</a:t>
+            </a:r>
+            <a:r>
+              <a:rPr lang="ko-KR" altLang="en-US" b="1">
+                <a:solidFill>
+                  <a:srgbClr val="756B5F"/>
+                </a:solidFill>
+              </a:rPr>
+              <a:t>등록 및 삭제</a:t>
+            </a:r>
+            <a:endParaRPr lang="ko-KR" altLang="en-US" b="1" dirty="0">
+              <a:solidFill>
+                <a:srgbClr val="756B5F"/>
+              </a:solidFill>
+            </a:endParaRPr>
+          </a:p>
+        </p:txBody>
+      </p:sp>
     </p:spTree>
     <p:extLst>
       <p:ext uri="{BB962C8B-B14F-4D97-AF65-F5344CB8AC3E}">
@@ -10168,7 +10390,234 @@
 </p:sld>
 </file>
 
-<file path=ppt/slides/slide13.xml><?xml version="1.0" encoding="utf-8"?>
+<file path=ppt/slides/slide14.xml><?xml version="1.0" encoding="utf-8"?>
+<p:sld xmlns:a="http://schemas.openxmlformats.org/drawingml/2006/main" xmlns:r="http://schemas.openxmlformats.org/officeDocument/2006/relationships" xmlns:p="http://schemas.openxmlformats.org/presentationml/2006/main">
+  <p:cSld>
+    <p:spTree>
+      <p:nvGrpSpPr>
+        <p:cNvPr id="1" name="">
+          <a:extLst>
+            <a:ext uri="{FF2B5EF4-FFF2-40B4-BE49-F238E27FC236}">
+              <a16:creationId xmlns:a16="http://schemas.microsoft.com/office/drawing/2014/main" id="{FBAB71D4-B1E1-E3A6-4979-46E7E3F8D26C}"/>
+            </a:ext>
+          </a:extLst>
+        </p:cNvPr>
+        <p:cNvGrpSpPr/>
+        <p:nvPr/>
+      </p:nvGrpSpPr>
+      <p:grpSpPr>
+        <a:xfrm>
+          <a:off x="0" y="0"/>
+          <a:ext cx="0" cy="0"/>
+          <a:chOff x="0" y="0"/>
+          <a:chExt cx="0" cy="0"/>
+        </a:xfrm>
+      </p:grpSpPr>
+      <p:sp>
+        <p:nvSpPr>
+          <p:cNvPr id="2" name="슬라이드 번호 개체 틀 1">
+            <a:extLst>
+              <a:ext uri="{FF2B5EF4-FFF2-40B4-BE49-F238E27FC236}">
+                <a16:creationId xmlns:a16="http://schemas.microsoft.com/office/drawing/2014/main" id="{7FEB745F-01F0-CF95-7033-DBFF0F0C8BB7}"/>
+              </a:ext>
+            </a:extLst>
+          </p:cNvPr>
+          <p:cNvSpPr>
+            <a:spLocks noGrp="1"/>
+          </p:cNvSpPr>
+          <p:nvPr>
+            <p:ph type="sldNum" sz="quarter" idx="12"/>
+          </p:nvPr>
+        </p:nvSpPr>
+        <p:spPr/>
+        <p:txBody>
+          <a:bodyPr/>
+          <a:lstStyle/>
+          <a:p>
+            <a:fld id="{8E974B11-60DB-405B-8211-256C6E064270}" type="slidenum">
+              <a:rPr lang="ko-KR" altLang="en-US" smtClean="0"/>
+              <a:pPr/>
+              <a:t>14</a:t>
+            </a:fld>
+            <a:endParaRPr lang="ko-KR" altLang="en-US" dirty="0"/>
+          </a:p>
+        </p:txBody>
+      </p:sp>
+      <p:sp>
+        <p:nvSpPr>
+          <p:cNvPr id="5" name="TextBox 4">
+            <a:extLst>
+              <a:ext uri="{FF2B5EF4-FFF2-40B4-BE49-F238E27FC236}">
+                <a16:creationId xmlns:a16="http://schemas.microsoft.com/office/drawing/2014/main" id="{E6024725-B046-0C9D-48FB-328C2D133797}"/>
+              </a:ext>
+            </a:extLst>
+          </p:cNvPr>
+          <p:cNvSpPr txBox="1"/>
+          <p:nvPr/>
+        </p:nvSpPr>
+        <p:spPr>
+          <a:xfrm>
+            <a:off x="179512" y="52597"/>
+            <a:ext cx="2592288" cy="369332"/>
+          </a:xfrm>
+          <a:prstGeom prst="rect">
+            <a:avLst/>
+          </a:prstGeom>
+          <a:noFill/>
+        </p:spPr>
+        <p:txBody>
+          <a:bodyPr wrap="square" rtlCol="0">
+            <a:spAutoFit/>
+          </a:bodyPr>
+          <a:lstStyle/>
+          <a:p>
+            <a:r>
+              <a:rPr lang="en-US" altLang="ko-KR" b="1">
+                <a:solidFill>
+                  <a:srgbClr val="756B5F"/>
+                </a:solidFill>
+              </a:rPr>
+              <a:t>5. </a:t>
+            </a:r>
+            <a:r>
+              <a:rPr lang="ko-KR" altLang="en-US" b="1">
+                <a:solidFill>
+                  <a:srgbClr val="756B5F"/>
+                </a:solidFill>
+              </a:rPr>
+              <a:t>프로젝트 결과</a:t>
+            </a:r>
+            <a:endParaRPr lang="en-US" altLang="ko-KR" b="1">
+              <a:solidFill>
+                <a:schemeClr val="bg1"/>
+              </a:solidFill>
+              <a:latin typeface="+mn-ea"/>
+            </a:endParaRPr>
+          </a:p>
+        </p:txBody>
+      </p:sp>
+      <p:sp>
+        <p:nvSpPr>
+          <p:cNvPr id="6" name="TextBox 5">
+            <a:extLst>
+              <a:ext uri="{FF2B5EF4-FFF2-40B4-BE49-F238E27FC236}">
+                <a16:creationId xmlns:a16="http://schemas.microsoft.com/office/drawing/2014/main" id="{D2A7F03A-1EB0-FF66-E032-A8E8D55A8549}"/>
+              </a:ext>
+            </a:extLst>
+          </p:cNvPr>
+          <p:cNvSpPr txBox="1"/>
+          <p:nvPr/>
+        </p:nvSpPr>
+        <p:spPr>
+          <a:xfrm>
+            <a:off x="2290763" y="2130646"/>
+            <a:ext cx="4581524" cy="945708"/>
+          </a:xfrm>
+          <a:prstGeom prst="rect">
+            <a:avLst/>
+          </a:prstGeom>
+          <a:noFill/>
+        </p:spPr>
+        <p:txBody>
+          <a:bodyPr wrap="square">
+            <a:spAutoFit/>
+          </a:bodyPr>
+          <a:lstStyle/>
+          <a:p>
+            <a:pPr marL="685800" lvl="1" indent="-228600">
+              <a:lnSpc>
+                <a:spcPct val="180000"/>
+              </a:lnSpc>
+              <a:buFont typeface="+mj-lt"/>
+              <a:buAutoNum type="arabicPeriod"/>
+              <a:defRPr/>
+            </a:pPr>
+            <a:r>
+              <a:rPr lang="ko-KR" altLang="en-US" sz="800" b="1">
+                <a:latin typeface="+mn-ea"/>
+              </a:rPr>
+              <a:t>최종 결과(기존 시스템에 기여하는 결과</a:t>
+            </a:r>
+            <a:r>
+              <a:rPr lang="en-US" altLang="ko-KR" sz="800" b="1">
+                <a:latin typeface="+mn-ea"/>
+              </a:rPr>
+              <a:t>)</a:t>
+            </a:r>
+          </a:p>
+          <a:p>
+            <a:pPr marL="685800" lvl="1" indent="-228600">
+              <a:lnSpc>
+                <a:spcPct val="180000"/>
+              </a:lnSpc>
+              <a:buFont typeface="+mj-lt"/>
+              <a:buAutoNum type="arabicPeriod"/>
+              <a:defRPr/>
+            </a:pPr>
+            <a:r>
+              <a:rPr lang="ko-KR" altLang="en-US" sz="800" b="1">
+                <a:latin typeface="+mn-ea"/>
+              </a:rPr>
+              <a:t>연구의 결과 및 시사점</a:t>
+            </a:r>
+            <a:endParaRPr lang="en-US" altLang="ko-KR" sz="800" b="1">
+              <a:latin typeface="+mn-ea"/>
+            </a:endParaRPr>
+          </a:p>
+          <a:p>
+            <a:pPr marL="685800" lvl="1" indent="-228600">
+              <a:lnSpc>
+                <a:spcPct val="180000"/>
+              </a:lnSpc>
+              <a:buFont typeface="+mj-lt"/>
+              <a:buAutoNum type="arabicPeriod"/>
+              <a:defRPr/>
+            </a:pPr>
+            <a:r>
+              <a:rPr lang="ko-KR" altLang="en-US" sz="800" b="1">
+                <a:latin typeface="+mn-ea"/>
+              </a:rPr>
+              <a:t>연구 한계 및 향후 연구 방향</a:t>
+            </a:r>
+            <a:endParaRPr lang="en-US" altLang="ko-KR" sz="800" b="1">
+              <a:latin typeface="+mn-ea"/>
+            </a:endParaRPr>
+          </a:p>
+          <a:p>
+            <a:pPr marL="685800" lvl="1" indent="-228600">
+              <a:lnSpc>
+                <a:spcPct val="180000"/>
+              </a:lnSpc>
+              <a:buFont typeface="+mj-lt"/>
+              <a:buAutoNum type="arabicPeriod"/>
+              <a:defRPr/>
+            </a:pPr>
+            <a:r>
+              <a:rPr lang="ko-KR" altLang="en-US" sz="800" b="1">
+                <a:latin typeface="+mn-ea"/>
+              </a:rPr>
+              <a:t>참고문헌 및 사용데이터 출천</a:t>
+            </a:r>
+            <a:endParaRPr lang="en-US" altLang="ko-KR" sz="800" b="1" dirty="0">
+              <a:latin typeface="+mn-ea"/>
+            </a:endParaRPr>
+          </a:p>
+        </p:txBody>
+      </p:sp>
+    </p:spTree>
+    <p:extLst>
+      <p:ext uri="{BB962C8B-B14F-4D97-AF65-F5344CB8AC3E}">
+        <p14:creationId xmlns:p14="http://schemas.microsoft.com/office/powerpoint/2010/main" val="2492283830"/>
+      </p:ext>
+    </p:extLst>
+  </p:cSld>
+  <p:clrMapOvr>
+    <a:masterClrMapping/>
+  </p:clrMapOvr>
+</p:sld>
+</file>
+
+<file path=ppt/slides/slide15.xml><?xml version="1.0" encoding="utf-8"?>
 <p:sld xmlns:a="http://schemas.openxmlformats.org/drawingml/2006/main" xmlns:r="http://schemas.openxmlformats.org/officeDocument/2006/relationships" xmlns:p="http://schemas.openxmlformats.org/presentationml/2006/main">
   <p:cSld>
     <p:spTree>
@@ -10364,7 +10813,7 @@
         <p:spPr>
           <a:xfrm>
             <a:off x="5292080" y="2661550"/>
-            <a:ext cx="792088" cy="504266"/>
+            <a:ext cx="1584176" cy="504266"/>
           </a:xfrm>
           <a:prstGeom prst="flowChartAlternateProcess">
             <a:avLst/>
@@ -10398,15 +10847,15 @@
           <a:p>
             <a:pPr algn="ctr"/>
             <a:r>
-              <a:rPr lang="en-US" altLang="ko-KR" b="1" dirty="0">
+              <a:rPr lang="ko-KR" altLang="en-US" b="1">
                 <a:solidFill>
                   <a:schemeClr val="bg1"/>
                 </a:solidFill>
               </a:rPr>
-              <a:t>LAS</a:t>
-            </a:r>
-            <a:r>
-              <a:rPr lang="en-US" altLang="ko-KR" sz="2800" b="1" baseline="30000" dirty="0">
+              <a:t>프로젝트명</a:t>
+            </a:r>
+            <a:r>
+              <a:rPr lang="en-US" altLang="ko-KR" sz="2800" b="1" baseline="30000">
                 <a:solidFill>
                   <a:schemeClr val="bg1"/>
                 </a:solidFill>
@@ -10438,7 +10887,7 @@
           <a:p>
             <a:fld id="{8E974B11-60DB-405B-8211-256C6E064270}" type="slidenum">
               <a:rPr lang="ko-KR" altLang="en-US" smtClean="0"/>
-              <a:t>13</a:t>
+              <a:t>15</a:t>
             </a:fld>
             <a:endParaRPr lang="ko-KR" altLang="en-US"/>
           </a:p>
@@ -10750,15 +11199,15 @@
               <a:defRPr/>
             </a:pPr>
             <a:r>
-              <a:rPr lang="ko-KR" altLang="en-US" sz="600" b="1">
+              <a:rPr lang="ko-KR" altLang="en-US" sz="1000" b="1">
                 <a:solidFill>
                   <a:schemeClr val="bg1"/>
                 </a:solidFill>
                 <a:latin typeface="+mn-ea"/>
               </a:rPr>
-              <a:t>서론</a:t>
-            </a:r>
-            <a:endParaRPr lang="en-US" altLang="ko-KR" sz="600" b="1">
+              <a:t>프로젝트 소개</a:t>
+            </a:r>
+            <a:endParaRPr lang="en-US" altLang="ko-KR" sz="1000" b="1">
               <a:solidFill>
                 <a:schemeClr val="bg1"/>
               </a:solidFill>
@@ -10918,7 +11367,7 @@
                 </a:solidFill>
                 <a:latin typeface="+mn-ea"/>
               </a:rPr>
-              <a:t>데이터 전처리</a:t>
+              <a:t>데이터 수집 및 분석</a:t>
             </a:r>
             <a:endParaRPr lang="en-US" altLang="ko-KR" sz="1000" b="1">
               <a:solidFill>
@@ -10943,7 +11392,7 @@
                 </a:solidFill>
                 <a:latin typeface="+mn-ea"/>
               </a:rPr>
-              <a:t>개념정의</a:t>
+              <a:t>데이터 수집 개요</a:t>
             </a:r>
             <a:endParaRPr lang="en-US" altLang="ko-KR" sz="600" b="1">
               <a:solidFill>
@@ -10968,7 +11417,7 @@
                 </a:solidFill>
                 <a:latin typeface="+mn-ea"/>
               </a:rPr>
-              <a:t>활용데이터</a:t>
+              <a:t>데이터 분석 인사이트</a:t>
             </a:r>
             <a:endParaRPr lang="en-US" altLang="ko-KR" sz="600" b="1">
               <a:solidFill>
@@ -10993,7 +11442,25 @@
                 </a:solidFill>
                 <a:latin typeface="+mn-ea"/>
               </a:rPr>
-              <a:t>자료 정제 및 병합</a:t>
+              <a:t>가중치 산출츨 위한 상관분석 및 그룹화</a:t>
+            </a:r>
+            <a:r>
+              <a:rPr lang="en-US" altLang="ko-KR" sz="600" b="1">
+                <a:solidFill>
+                  <a:schemeClr val="bg1"/>
+                </a:solidFill>
+                <a:latin typeface="+mn-ea"/>
+              </a:rPr>
+              <a:t>,</a:t>
+            </a:r>
+            <a:r>
+              <a:rPr lang="ko-KR" altLang="en-US" sz="600" b="1">
+                <a:solidFill>
+                  <a:schemeClr val="bg1"/>
+                </a:solidFill>
+                <a:latin typeface="+mn-ea"/>
+              </a:rPr>
+              <a:t> 시각화</a:t>
             </a:r>
             <a:endParaRPr lang="en-US" altLang="ko-KR" sz="600" b="1">
               <a:solidFill>
@@ -11018,25 +11485,7 @@
                 </a:solidFill>
                 <a:latin typeface="+mn-ea"/>
               </a:rPr>
-              <a:t>가중치 산출츨 위한 상관분석 및 그룹화</a:t>
-            </a:r>
-            <a:r>
-              <a:rPr lang="en-US" altLang="ko-KR" sz="600" b="1">
-                <a:solidFill>
-                  <a:schemeClr val="bg1"/>
-                </a:solidFill>
-                <a:latin typeface="+mn-ea"/>
-              </a:rPr>
-              <a:t>,</a:t>
-            </a:r>
-            <a:r>
-              <a:rPr lang="ko-KR" altLang="en-US" sz="600" b="1">
-                <a:solidFill>
-                  <a:schemeClr val="bg1"/>
-                </a:solidFill>
-                <a:latin typeface="+mn-ea"/>
-              </a:rPr>
-              <a:t> 시각화</a:t>
+              <a:t>시계열 특성</a:t>
             </a:r>
             <a:endParaRPr lang="en-US" altLang="ko-KR" sz="600" b="1">
               <a:solidFill>
@@ -11093,7 +11542,7 @@
                 </a:solidFill>
                 <a:latin typeface="+mn-ea"/>
               </a:rPr>
-              <a:t>구현</a:t>
+              <a:t>개발</a:t>
             </a:r>
             <a:endParaRPr lang="en-US" altLang="ko-KR" sz="1000" b="1" dirty="0">
               <a:solidFill>
@@ -11137,7 +11586,7 @@
                 </a:solidFill>
                 <a:latin typeface="+mn-ea"/>
               </a:rPr>
-              <a:t>xxx</a:t>
+              <a:t>Xxx</a:t>
             </a:r>
           </a:p>
           <a:p>
@@ -11156,7 +11605,7 @@
                 </a:solidFill>
                 <a:latin typeface="+mn-ea"/>
               </a:rPr>
-              <a:t>xxx</a:t>
+              <a:t>Xxx</a:t>
             </a:r>
           </a:p>
           <a:p>
@@ -11267,7 +11716,7 @@
                 </a:solidFill>
                 <a:latin typeface="+mn-ea"/>
               </a:rPr>
-              <a:t>결론</a:t>
+              <a:t>프로젝트 결과</a:t>
             </a:r>
             <a:endParaRPr lang="en-US" altLang="ko-KR" sz="1000" b="1" dirty="0">
               <a:solidFill>
@@ -11585,7 +12034,7 @@
         <p:spPr>
           <a:xfrm>
             <a:off x="179512" y="52597"/>
-            <a:ext cx="1677121" cy="369332"/>
+            <a:ext cx="2592288" cy="369332"/>
           </a:xfrm>
           <a:prstGeom prst="rect">
             <a:avLst/>
@@ -11612,7 +12061,7 @@
                   <a:srgbClr val="756B5F"/>
                 </a:solidFill>
               </a:rPr>
-              <a:t>서론</a:t>
+              <a:t>프로젝트 개요</a:t>
             </a:r>
             <a:endParaRPr lang="ko-KR" altLang="en-US" b="1" dirty="0">
               <a:solidFill>
@@ -12124,7 +12573,7 @@
         <p:spPr>
           <a:xfrm>
             <a:off x="179512" y="52597"/>
-            <a:ext cx="1677121" cy="369332"/>
+            <a:ext cx="2232248" cy="369332"/>
           </a:xfrm>
           <a:prstGeom prst="rect">
             <a:avLst/>
@@ -12151,7 +12600,7 @@
                   <a:srgbClr val="756B5F"/>
                 </a:solidFill>
               </a:rPr>
-              <a:t>서론</a:t>
+              <a:t>프로젝트 개요</a:t>
             </a:r>
             <a:endParaRPr lang="ko-KR" altLang="en-US" b="1" dirty="0">
               <a:solidFill>
@@ -12379,7 +12828,7 @@
         <p:spPr>
           <a:xfrm>
             <a:off x="179512" y="52597"/>
-            <a:ext cx="1677121" cy="369332"/>
+            <a:ext cx="2088232" cy="369332"/>
           </a:xfrm>
           <a:prstGeom prst="rect">
             <a:avLst/>
@@ -12406,7 +12855,7 @@
                   <a:srgbClr val="756B5F"/>
                 </a:solidFill>
               </a:rPr>
-              <a:t>서론</a:t>
+              <a:t>프로젝트 개요</a:t>
             </a:r>
             <a:endParaRPr lang="ko-KR" altLang="en-US" b="1" dirty="0">
               <a:solidFill>
@@ -14711,7 +15160,7 @@
         <p:spPr>
           <a:xfrm>
             <a:off x="179512" y="52597"/>
-            <a:ext cx="1677121" cy="369332"/>
+            <a:ext cx="2376264" cy="369332"/>
           </a:xfrm>
           <a:prstGeom prst="rect">
             <a:avLst/>
@@ -14738,7 +15187,7 @@
                   <a:srgbClr val="756B5F"/>
                 </a:solidFill>
               </a:rPr>
-              <a:t>서론</a:t>
+              <a:t>프로젝트 개요</a:t>
             </a:r>
             <a:endParaRPr lang="ko-KR" altLang="en-US" b="1" dirty="0">
               <a:solidFill>
@@ -14933,7 +15382,7 @@
         <p:spPr>
           <a:xfrm>
             <a:off x="179512" y="52597"/>
-            <a:ext cx="1677121" cy="369332"/>
+            <a:ext cx="2088232" cy="369332"/>
           </a:xfrm>
           <a:prstGeom prst="rect">
             <a:avLst/>
@@ -14960,7 +15409,7 @@
                   <a:srgbClr val="756B5F"/>
                 </a:solidFill>
               </a:rPr>
-              <a:t>서론</a:t>
+              <a:t>프로젝트 개요</a:t>
             </a:r>
             <a:endParaRPr lang="ko-KR" altLang="en-US" b="1" dirty="0">
               <a:solidFill>
@@ -16585,7 +17034,7 @@
         <p:spPr>
           <a:xfrm>
             <a:off x="179512" y="52597"/>
-            <a:ext cx="1677121" cy="369332"/>
+            <a:ext cx="2376264" cy="369332"/>
           </a:xfrm>
           <a:prstGeom prst="rect">
             <a:avLst/>
@@ -16612,7 +17061,7 @@
                   <a:srgbClr val="756B5F"/>
                 </a:solidFill>
               </a:rPr>
-              <a:t>서론</a:t>
+              <a:t>프로젝트 개요</a:t>
             </a:r>
             <a:endParaRPr lang="ko-KR" altLang="en-US" b="1" dirty="0">
               <a:solidFill>
@@ -17001,7 +17450,13 @@
   <p:cSld>
     <p:spTree>
       <p:nvGrpSpPr>
-        <p:cNvPr id="1" name=""/>
+        <p:cNvPr id="1" name="">
+          <a:extLst>
+            <a:ext uri="{FF2B5EF4-FFF2-40B4-BE49-F238E27FC236}">
+              <a16:creationId xmlns:a16="http://schemas.microsoft.com/office/drawing/2014/main" id="{065746B8-FA2B-AC9F-AB82-FE1412D1C7AC}"/>
+            </a:ext>
+          </a:extLst>
+        </p:cNvPr>
         <p:cNvGrpSpPr/>
         <p:nvPr/>
       </p:nvGrpSpPr>
@@ -17015,10 +17470,10 @@
       </p:grpSpPr>
       <p:sp>
         <p:nvSpPr>
-          <p:cNvPr id="2" name="슬라이드 번호 개체 틀 1">
+          <p:cNvPr id="26" name="슬라이드 번호 개체 틀 25">
             <a:extLst>
               <a:ext uri="{FF2B5EF4-FFF2-40B4-BE49-F238E27FC236}">
-                <a16:creationId xmlns:a16="http://schemas.microsoft.com/office/drawing/2014/main" id="{9FCEE3D2-8D7C-4399-9124-487ADAD09EAF}"/>
+                <a16:creationId xmlns:a16="http://schemas.microsoft.com/office/drawing/2014/main" id="{D6856A72-2451-309A-284D-E8BC5E3931BC}"/>
               </a:ext>
             </a:extLst>
           </p:cNvPr>
@@ -17036,17 +17491,204 @@
           <a:p>
             <a:fld id="{8E974B11-60DB-405B-8211-256C6E064270}" type="slidenum">
               <a:rPr lang="ko-KR" altLang="en-US" smtClean="0"/>
-              <a:pPr/>
               <a:t>9</a:t>
             </a:fld>
             <a:endParaRPr lang="ko-KR" altLang="en-US" dirty="0"/>
+          </a:p>
+        </p:txBody>
+      </p:sp>
+      <p:sp>
+        <p:nvSpPr>
+          <p:cNvPr id="17" name="TextBox 16">
+            <a:extLst>
+              <a:ext uri="{FF2B5EF4-FFF2-40B4-BE49-F238E27FC236}">
+                <a16:creationId xmlns:a16="http://schemas.microsoft.com/office/drawing/2014/main" id="{1A11E4AD-83FF-5D84-4A97-9B4BD13CF9F4}"/>
+              </a:ext>
+            </a:extLst>
+          </p:cNvPr>
+          <p:cNvSpPr txBox="1"/>
+          <p:nvPr/>
+        </p:nvSpPr>
+        <p:spPr>
+          <a:xfrm>
+            <a:off x="179512" y="52597"/>
+            <a:ext cx="2592288" cy="369332"/>
+          </a:xfrm>
+          <a:prstGeom prst="rect">
+            <a:avLst/>
+          </a:prstGeom>
+          <a:noFill/>
+        </p:spPr>
+        <p:txBody>
+          <a:bodyPr wrap="square" rtlCol="0">
+            <a:spAutoFit/>
+          </a:bodyPr>
+          <a:lstStyle/>
+          <a:p>
+            <a:r>
+              <a:rPr lang="en-US" altLang="ko-KR" b="1">
+                <a:solidFill>
+                  <a:srgbClr val="756B5F"/>
+                </a:solidFill>
+              </a:rPr>
+              <a:t>2. </a:t>
+            </a:r>
+            <a:r>
+              <a:rPr lang="ko-KR" altLang="en-US" b="1">
+                <a:solidFill>
+                  <a:srgbClr val="756B5F"/>
+                </a:solidFill>
+              </a:rPr>
+              <a:t>데이터 수집 및 분석</a:t>
+            </a:r>
+            <a:endParaRPr lang="ko-KR" altLang="en-US" b="1" dirty="0">
+              <a:solidFill>
+                <a:srgbClr val="756B5F"/>
+              </a:solidFill>
+            </a:endParaRPr>
+          </a:p>
+        </p:txBody>
+      </p:sp>
+      <p:sp>
+        <p:nvSpPr>
+          <p:cNvPr id="8" name="TextBox 7">
+            <a:extLst>
+              <a:ext uri="{FF2B5EF4-FFF2-40B4-BE49-F238E27FC236}">
+                <a16:creationId xmlns:a16="http://schemas.microsoft.com/office/drawing/2014/main" id="{5A683FA5-1F55-2CE6-C3BD-1BD94690CAE2}"/>
+              </a:ext>
+            </a:extLst>
+          </p:cNvPr>
+          <p:cNvSpPr txBox="1"/>
+          <p:nvPr/>
+        </p:nvSpPr>
+        <p:spPr>
+          <a:xfrm>
+            <a:off x="611560" y="555526"/>
+            <a:ext cx="4581524" cy="1167307"/>
+          </a:xfrm>
+          <a:prstGeom prst="rect">
+            <a:avLst/>
+          </a:prstGeom>
+          <a:noFill/>
+        </p:spPr>
+        <p:txBody>
+          <a:bodyPr wrap="square">
+            <a:spAutoFit/>
+          </a:bodyPr>
+          <a:lstStyle/>
+          <a:p>
+            <a:pPr marL="685800" lvl="1" indent="-228600">
+              <a:lnSpc>
+                <a:spcPct val="180000"/>
+              </a:lnSpc>
+              <a:buFont typeface="+mj-lt"/>
+              <a:buAutoNum type="arabicPeriod"/>
+              <a:defRPr/>
+            </a:pPr>
+            <a:r>
+              <a:rPr lang="ko-KR" altLang="en-US" sz="800" b="1">
+                <a:latin typeface="+mn-ea"/>
+              </a:rPr>
+              <a:t>데이터 수집 개요</a:t>
+            </a:r>
+            <a:endParaRPr lang="en-US" altLang="ko-KR" sz="800" b="1">
+              <a:latin typeface="+mn-ea"/>
+            </a:endParaRPr>
+          </a:p>
+          <a:p>
+            <a:pPr marL="685800" lvl="1" indent="-228600">
+              <a:lnSpc>
+                <a:spcPct val="180000"/>
+              </a:lnSpc>
+              <a:buFont typeface="+mj-lt"/>
+              <a:buAutoNum type="arabicPeriod"/>
+              <a:defRPr/>
+            </a:pPr>
+            <a:r>
+              <a:rPr lang="ko-KR" altLang="en-US" sz="800" b="1">
+                <a:latin typeface="+mn-ea"/>
+              </a:rPr>
+              <a:t>데이터 분석 인사이트</a:t>
+            </a:r>
+            <a:endParaRPr lang="en-US" altLang="ko-KR" sz="800" b="1">
+              <a:latin typeface="+mn-ea"/>
+            </a:endParaRPr>
+          </a:p>
+          <a:p>
+            <a:pPr marL="685800" lvl="1" indent="-228600">
+              <a:lnSpc>
+                <a:spcPct val="180000"/>
+              </a:lnSpc>
+              <a:buFont typeface="+mj-lt"/>
+              <a:buAutoNum type="arabicPeriod"/>
+              <a:defRPr/>
+            </a:pPr>
+            <a:r>
+              <a:rPr lang="ko-KR" altLang="en-US" sz="800" b="1">
+                <a:latin typeface="+mn-ea"/>
+              </a:rPr>
+              <a:t>가중치 산출츨 위한 상관분석 및 그룹화</a:t>
+            </a:r>
+            <a:r>
+              <a:rPr lang="en-US" altLang="ko-KR" sz="800" b="1">
+                <a:latin typeface="+mn-ea"/>
+              </a:rPr>
+              <a:t>,</a:t>
+            </a:r>
+            <a:r>
+              <a:rPr lang="ko-KR" altLang="en-US" sz="800" b="1">
+                <a:latin typeface="+mn-ea"/>
+              </a:rPr>
+              <a:t> 시각화</a:t>
+            </a:r>
+            <a:endParaRPr lang="en-US" altLang="ko-KR" sz="800" b="1">
+              <a:latin typeface="+mn-ea"/>
+            </a:endParaRPr>
+          </a:p>
+          <a:p>
+            <a:pPr marL="685800" lvl="1" indent="-228600">
+              <a:lnSpc>
+                <a:spcPct val="180000"/>
+              </a:lnSpc>
+              <a:buFont typeface="+mj-lt"/>
+              <a:buAutoNum type="arabicPeriod"/>
+              <a:defRPr/>
+            </a:pPr>
+            <a:r>
+              <a:rPr lang="ko-KR" altLang="en-US" sz="800" b="1">
+                <a:latin typeface="+mn-ea"/>
+              </a:rPr>
+              <a:t>시계열 특성</a:t>
+            </a:r>
+            <a:endParaRPr lang="en-US" altLang="ko-KR" sz="800" b="1">
+              <a:latin typeface="+mn-ea"/>
+            </a:endParaRPr>
+          </a:p>
+          <a:p>
+            <a:pPr marL="685800" lvl="1" indent="-228600">
+              <a:lnSpc>
+                <a:spcPct val="180000"/>
+              </a:lnSpc>
+              <a:buFont typeface="+mj-lt"/>
+              <a:buAutoNum type="arabicPeriod"/>
+              <a:defRPr/>
+            </a:pPr>
+            <a:r>
+              <a:rPr lang="ko-KR" altLang="en-US" sz="800" b="1">
+                <a:latin typeface="+mn-ea"/>
+              </a:rPr>
+              <a:t>키워드 분석  및 트렌드 분석 </a:t>
+            </a:r>
+            <a:endParaRPr lang="en-US" altLang="ko-KR" sz="800" b="1" dirty="0">
+              <a:latin typeface="+mn-ea"/>
+            </a:endParaRPr>
           </a:p>
         </p:txBody>
       </p:sp>
     </p:spTree>
     <p:extLst>
       <p:ext uri="{BB962C8B-B14F-4D97-AF65-F5344CB8AC3E}">
-        <p14:creationId xmlns:p14="http://schemas.microsoft.com/office/powerpoint/2010/main" val="1068778681"/>
+        <p14:creationId xmlns:p14="http://schemas.microsoft.com/office/powerpoint/2010/main" val="1455134250"/>
       </p:ext>
     </p:extLst>
   </p:cSld>
